--- a/report/presentation_slides.pptx
+++ b/report/presentation_slides.pptx
@@ -269,7 +269,7 @@
           <a:p>
             <a:fld id="{0317F239-EE01-4A70-A7D1-E3DF21DB9FCB}" type="datetimeFigureOut">
               <a:rPr lang="ko-KR" altLang="en-US" smtClean="0"/>
-              <a:t>2020. 5. 4.</a:t>
+              <a:t>2020. 5. 5.</a:t>
             </a:fld>
             <a:endParaRPr lang="ko-KR" altLang="en-US"/>
           </a:p>
@@ -467,7 +467,7 @@
           <a:p>
             <a:fld id="{0317F239-EE01-4A70-A7D1-E3DF21DB9FCB}" type="datetimeFigureOut">
               <a:rPr lang="ko-KR" altLang="en-US" smtClean="0"/>
-              <a:t>2020. 5. 4.</a:t>
+              <a:t>2020. 5. 5.</a:t>
             </a:fld>
             <a:endParaRPr lang="ko-KR" altLang="en-US"/>
           </a:p>
@@ -675,7 +675,7 @@
           <a:p>
             <a:fld id="{0317F239-EE01-4A70-A7D1-E3DF21DB9FCB}" type="datetimeFigureOut">
               <a:rPr lang="ko-KR" altLang="en-US" smtClean="0"/>
-              <a:t>2020. 5. 4.</a:t>
+              <a:t>2020. 5. 5.</a:t>
             </a:fld>
             <a:endParaRPr lang="ko-KR" altLang="en-US"/>
           </a:p>
@@ -873,7 +873,7 @@
           <a:p>
             <a:fld id="{0317F239-EE01-4A70-A7D1-E3DF21DB9FCB}" type="datetimeFigureOut">
               <a:rPr lang="ko-KR" altLang="en-US" smtClean="0"/>
-              <a:t>2020. 5. 4.</a:t>
+              <a:t>2020. 5. 5.</a:t>
             </a:fld>
             <a:endParaRPr lang="ko-KR" altLang="en-US"/>
           </a:p>
@@ -1148,7 +1148,7 @@
           <a:p>
             <a:fld id="{0317F239-EE01-4A70-A7D1-E3DF21DB9FCB}" type="datetimeFigureOut">
               <a:rPr lang="ko-KR" altLang="en-US" smtClean="0"/>
-              <a:t>2020. 5. 4.</a:t>
+              <a:t>2020. 5. 5.</a:t>
             </a:fld>
             <a:endParaRPr lang="ko-KR" altLang="en-US"/>
           </a:p>
@@ -1413,7 +1413,7 @@
           <a:p>
             <a:fld id="{0317F239-EE01-4A70-A7D1-E3DF21DB9FCB}" type="datetimeFigureOut">
               <a:rPr lang="ko-KR" altLang="en-US" smtClean="0"/>
-              <a:t>2020. 5. 4.</a:t>
+              <a:t>2020. 5. 5.</a:t>
             </a:fld>
             <a:endParaRPr lang="ko-KR" altLang="en-US"/>
           </a:p>
@@ -1825,7 +1825,7 @@
           <a:p>
             <a:fld id="{0317F239-EE01-4A70-A7D1-E3DF21DB9FCB}" type="datetimeFigureOut">
               <a:rPr lang="ko-KR" altLang="en-US" smtClean="0"/>
-              <a:t>2020. 5. 4.</a:t>
+              <a:t>2020. 5. 5.</a:t>
             </a:fld>
             <a:endParaRPr lang="ko-KR" altLang="en-US"/>
           </a:p>
@@ -1966,7 +1966,7 @@
           <a:p>
             <a:fld id="{0317F239-EE01-4A70-A7D1-E3DF21DB9FCB}" type="datetimeFigureOut">
               <a:rPr lang="ko-KR" altLang="en-US" smtClean="0"/>
-              <a:t>2020. 5. 4.</a:t>
+              <a:t>2020. 5. 5.</a:t>
             </a:fld>
             <a:endParaRPr lang="ko-KR" altLang="en-US"/>
           </a:p>
@@ -2079,7 +2079,7 @@
           <a:p>
             <a:fld id="{0317F239-EE01-4A70-A7D1-E3DF21DB9FCB}" type="datetimeFigureOut">
               <a:rPr lang="ko-KR" altLang="en-US" smtClean="0"/>
-              <a:t>2020. 5. 4.</a:t>
+              <a:t>2020. 5. 5.</a:t>
             </a:fld>
             <a:endParaRPr lang="ko-KR" altLang="en-US"/>
           </a:p>
@@ -2390,7 +2390,7 @@
           <a:p>
             <a:fld id="{0317F239-EE01-4A70-A7D1-E3DF21DB9FCB}" type="datetimeFigureOut">
               <a:rPr lang="ko-KR" altLang="en-US" smtClean="0"/>
-              <a:t>2020. 5. 4.</a:t>
+              <a:t>2020. 5. 5.</a:t>
             </a:fld>
             <a:endParaRPr lang="ko-KR" altLang="en-US"/>
           </a:p>
@@ -2678,7 +2678,7 @@
           <a:p>
             <a:fld id="{0317F239-EE01-4A70-A7D1-E3DF21DB9FCB}" type="datetimeFigureOut">
               <a:rPr lang="ko-KR" altLang="en-US" smtClean="0"/>
-              <a:t>2020. 5. 4.</a:t>
+              <a:t>2020. 5. 5.</a:t>
             </a:fld>
             <a:endParaRPr lang="ko-KR" altLang="en-US"/>
           </a:p>
@@ -2919,7 +2919,7 @@
           <a:p>
             <a:fld id="{0317F239-EE01-4A70-A7D1-E3DF21DB9FCB}" type="datetimeFigureOut">
               <a:rPr lang="ko-KR" altLang="en-US" smtClean="0"/>
-              <a:t>2020. 5. 4.</a:t>
+              <a:t>2020. 5. 5.</a:t>
             </a:fld>
             <a:endParaRPr lang="ko-KR" altLang="en-US"/>
           </a:p>
@@ -3687,10 +3687,10 @@
       </p:cxnSp>
       <p:pic>
         <p:nvPicPr>
-          <p:cNvPr id="8" name="Picture 7" descr="A close up of a sign&#10;&#10;Description automatically generated">
-            <a:extLst>
-              <a:ext uri="{FF2B5EF4-FFF2-40B4-BE49-F238E27FC236}">
-                <a16:creationId xmlns:a16="http://schemas.microsoft.com/office/drawing/2014/main" id="{D92FB970-0E8B-0346-95FD-2E66C2EC5BD6}"/>
+          <p:cNvPr id="11" name="Picture 10" descr="A picture containing drawing&#10;&#10;Description automatically generated">
+            <a:extLst>
+              <a:ext uri="{FF2B5EF4-FFF2-40B4-BE49-F238E27FC236}">
+                <a16:creationId xmlns:a16="http://schemas.microsoft.com/office/drawing/2014/main" id="{341FC5B1-9991-0041-A841-C79144574C48}"/>
               </a:ext>
             </a:extLst>
           </p:cNvPr>
@@ -3713,8 +3713,44 @@
         </p:blipFill>
         <p:spPr>
           <a:xfrm>
-            <a:off x="1989648" y="2817979"/>
-            <a:ext cx="8212703" cy="3739896"/>
+            <a:off x="2164080" y="2931651"/>
+            <a:ext cx="7863840" cy="3931920"/>
+          </a:xfrm>
+          <a:prstGeom prst="rect">
+            <a:avLst/>
+          </a:prstGeom>
+        </p:spPr>
+      </p:pic>
+      <p:pic>
+        <p:nvPicPr>
+          <p:cNvPr id="13" name="Picture 12" descr="A close up of a sign&#10;&#10;Description automatically generated">
+            <a:extLst>
+              <a:ext uri="{FF2B5EF4-FFF2-40B4-BE49-F238E27FC236}">
+                <a16:creationId xmlns:a16="http://schemas.microsoft.com/office/drawing/2014/main" id="{55243AED-B8E4-C846-9E62-ED10CE3C207F}"/>
+              </a:ext>
+            </a:extLst>
+          </p:cNvPr>
+          <p:cNvPicPr>
+            <a:picLocks noChangeAspect="1"/>
+          </p:cNvPicPr>
+          <p:nvPr/>
+        </p:nvPicPr>
+        <p:blipFill>
+          <a:blip r:embed="rId3">
+            <a:extLst>
+              <a:ext uri="{28A0092B-C50C-407E-A947-70E740481C1C}">
+                <a14:useLocalDpi xmlns:a14="http://schemas.microsoft.com/office/drawing/2010/main" val="0"/>
+              </a:ext>
+            </a:extLst>
+          </a:blip>
+          <a:stretch>
+            <a:fillRect/>
+          </a:stretch>
+        </p:blipFill>
+        <p:spPr>
+          <a:xfrm>
+            <a:off x="2164080" y="2931651"/>
+            <a:ext cx="7863840" cy="3931920"/>
           </a:xfrm>
           <a:prstGeom prst="rect">
             <a:avLst/>
@@ -3731,6 +3767,81 @@
   <p:clrMapOvr>
     <a:masterClrMapping/>
   </p:clrMapOvr>
+  <p:timing>
+    <p:tnLst>
+      <p:par>
+        <p:cTn id="1" dur="indefinite" restart="never" nodeType="tmRoot">
+          <p:childTnLst>
+            <p:seq concurrent="1" nextAc="seek">
+              <p:cTn id="2" dur="indefinite" nodeType="mainSeq">
+                <p:childTnLst>
+                  <p:par>
+                    <p:cTn id="3" fill="hold">
+                      <p:stCondLst>
+                        <p:cond delay="indefinite"/>
+                      </p:stCondLst>
+                      <p:childTnLst>
+                        <p:par>
+                          <p:cTn id="4" fill="hold">
+                            <p:stCondLst>
+                              <p:cond delay="0"/>
+                            </p:stCondLst>
+                            <p:childTnLst>
+                              <p:par>
+                                <p:cTn id="5" presetID="1" presetClass="entr" presetSubtype="0" fill="hold" nodeType="clickEffect">
+                                  <p:stCondLst>
+                                    <p:cond delay="0"/>
+                                  </p:stCondLst>
+                                  <p:childTnLst>
+                                    <p:set>
+                                      <p:cBhvr>
+                                        <p:cTn id="6" dur="1" fill="hold">
+                                          <p:stCondLst>
+                                            <p:cond delay="0"/>
+                                          </p:stCondLst>
+                                        </p:cTn>
+                                        <p:tgtEl>
+                                          <p:spTgt spid="13"/>
+                                        </p:tgtEl>
+                                        <p:attrNameLst>
+                                          <p:attrName>style.visibility</p:attrName>
+                                        </p:attrNameLst>
+                                      </p:cBhvr>
+                                      <p:to>
+                                        <p:strVal val="visible"/>
+                                      </p:to>
+                                    </p:set>
+                                  </p:childTnLst>
+                                </p:cTn>
+                              </p:par>
+                            </p:childTnLst>
+                          </p:cTn>
+                        </p:par>
+                      </p:childTnLst>
+                    </p:cTn>
+                  </p:par>
+                </p:childTnLst>
+              </p:cTn>
+              <p:prevCondLst>
+                <p:cond evt="onPrev" delay="0">
+                  <p:tgtEl>
+                    <p:sldTgt/>
+                  </p:tgtEl>
+                </p:cond>
+              </p:prevCondLst>
+              <p:nextCondLst>
+                <p:cond evt="onNext" delay="0">
+                  <p:tgtEl>
+                    <p:sldTgt/>
+                  </p:tgtEl>
+                </p:cond>
+              </p:nextCondLst>
+            </p:seq>
+          </p:childTnLst>
+        </p:cTn>
+      </p:par>
+    </p:tnLst>
+  </p:timing>
 </p:sld>
 </file>
 
@@ -3879,42 +3990,38 @@
                 <a:ea typeface="D2Coding" panose="020B0609020101020101" pitchFamily="49" charset="-127"/>
                 <a:cs typeface="D2Coding" charset="-127"/>
               </a:rPr>
-              <a:t>[2] </a:t>
-            </a:r>
-            <a:r>
-              <a:rPr lang="en-US" sz="1200" dirty="0">
-                <a:latin typeface="D2Coding" panose="020B0609020101020101" pitchFamily="49" charset="-127"/>
-                <a:ea typeface="D2Coding" panose="020B0609020101020101" pitchFamily="49" charset="-127"/>
-              </a:rPr>
-              <a:t>B. </a:t>
-            </a:r>
-            <a:r>
-              <a:rPr lang="en-US" sz="1200" dirty="0" err="1">
-                <a:latin typeface="D2Coding" panose="020B0609020101020101" pitchFamily="49" charset="-127"/>
-                <a:ea typeface="D2Coding" panose="020B0609020101020101" pitchFamily="49" charset="-127"/>
-              </a:rPr>
-              <a:t>Borkowska</a:t>
-            </a:r>
-            <a:r>
-              <a:rPr lang="en-US" sz="1200" dirty="0">
-                <a:latin typeface="D2Coding" panose="020B0609020101020101" pitchFamily="49" charset="-127"/>
-                <a:ea typeface="D2Coding" panose="020B0609020101020101" pitchFamily="49" charset="-127"/>
-              </a:rPr>
-              <a:t>, “Probabilistic load flow,” </a:t>
-            </a:r>
-            <a:r>
-              <a:rPr lang="en-US" sz="1200" i="1" dirty="0">
-                <a:latin typeface="D2Coding" panose="020B0609020101020101" pitchFamily="49" charset="-127"/>
-                <a:ea typeface="D2Coding" panose="020B0609020101020101" pitchFamily="49" charset="-127"/>
-              </a:rPr>
-              <a:t>IEEE Transactions on Power App. Syst.</a:t>
-            </a:r>
-            <a:r>
-              <a:rPr lang="en-US" sz="1200" dirty="0">
-                <a:latin typeface="D2Coding" panose="020B0609020101020101" pitchFamily="49" charset="-127"/>
-                <a:ea typeface="D2Coding" panose="020B0609020101020101" pitchFamily="49" charset="-127"/>
-              </a:rPr>
-              <a:t>, vol. PAS-93, no. 3, pp. 752–759, 1974. </a:t>
+              <a:t>[2] R. D. Christie, B. F. </a:t>
+            </a:r>
+            <a:r>
+              <a:rPr lang="en-US" altLang="ko-KR" sz="1200" dirty="0" err="1">
+                <a:latin typeface="D2Coding" panose="020B0609020101020101" pitchFamily="49" charset="-127"/>
+                <a:ea typeface="D2Coding" panose="020B0609020101020101" pitchFamily="49" charset="-127"/>
+                <a:cs typeface="D2Coding" charset="-127"/>
+              </a:rPr>
+              <a:t>Wollenberg</a:t>
+            </a:r>
+            <a:r>
+              <a:rPr lang="en-US" altLang="ko-KR" sz="1200" dirty="0">
+                <a:latin typeface="D2Coding" panose="020B0609020101020101" pitchFamily="49" charset="-127"/>
+                <a:ea typeface="D2Coding" panose="020B0609020101020101" pitchFamily="49" charset="-127"/>
+                <a:cs typeface="D2Coding" charset="-127"/>
+              </a:rPr>
+              <a:t>, and I. Wangensteen, “Transmission management in the deregulated environment,” Proceedings of the    </a:t>
+            </a:r>
+            <a:br>
+              <a:rPr lang="en-US" altLang="ko-KR" sz="1200" dirty="0">
+                <a:latin typeface="D2Coding" panose="020B0609020101020101" pitchFamily="49" charset="-127"/>
+                <a:ea typeface="D2Coding" panose="020B0609020101020101" pitchFamily="49" charset="-127"/>
+                <a:cs typeface="D2Coding" charset="-127"/>
+              </a:rPr>
+            </a:br>
+            <a:r>
+              <a:rPr lang="en-US" altLang="ko-KR" sz="1200" dirty="0">
+                <a:latin typeface="D2Coding" panose="020B0609020101020101" pitchFamily="49" charset="-127"/>
+                <a:ea typeface="D2Coding" panose="020B0609020101020101" pitchFamily="49" charset="-127"/>
+                <a:cs typeface="D2Coding" charset="-127"/>
+              </a:rPr>
+              <a:t>    IEEE, vol. 88, no. 2, pp. 170–195, 2000.</a:t>
             </a:r>
           </a:p>
           <a:p>
@@ -3934,76 +4041,21 @@
                 <a:latin typeface="D2Coding" panose="020B0609020101020101" pitchFamily="49" charset="-127"/>
                 <a:ea typeface="D2Coding" panose="020B0609020101020101" pitchFamily="49" charset="-127"/>
               </a:rPr>
-              <a:t> M. </a:t>
+              <a:t> Y. Ng, S. </a:t>
             </a:r>
             <a:r>
               <a:rPr lang="en-US" sz="1200" dirty="0" err="1">
                 <a:latin typeface="D2Coding" panose="020B0609020101020101" pitchFamily="49" charset="-127"/>
                 <a:ea typeface="D2Coding" panose="020B0609020101020101" pitchFamily="49" charset="-127"/>
               </a:rPr>
-              <a:t>Vrakopoulou</a:t>
+              <a:t>Misra</a:t>
             </a:r>
             <a:r>
               <a:rPr lang="en-US" sz="1200" dirty="0">
                 <a:latin typeface="D2Coding" panose="020B0609020101020101" pitchFamily="49" charset="-127"/>
                 <a:ea typeface="D2Coding" panose="020B0609020101020101" pitchFamily="49" charset="-127"/>
               </a:rPr>
-              <a:t>, K. </a:t>
-            </a:r>
-            <a:r>
-              <a:rPr lang="en-US" sz="1200" dirty="0" err="1">
-                <a:latin typeface="D2Coding" panose="020B0609020101020101" pitchFamily="49" charset="-127"/>
-                <a:ea typeface="D2Coding" panose="020B0609020101020101" pitchFamily="49" charset="-127"/>
-              </a:rPr>
-              <a:t>Margellos</a:t>
-            </a:r>
-            <a:r>
-              <a:rPr lang="en-US" sz="1200" dirty="0">
-                <a:latin typeface="D2Coding" panose="020B0609020101020101" pitchFamily="49" charset="-127"/>
-                <a:ea typeface="D2Coding" panose="020B0609020101020101" pitchFamily="49" charset="-127"/>
-              </a:rPr>
-              <a:t>, J. </a:t>
-            </a:r>
-            <a:r>
-              <a:rPr lang="en-US" sz="1200" dirty="0" err="1">
-                <a:latin typeface="D2Coding" panose="020B0609020101020101" pitchFamily="49" charset="-127"/>
-                <a:ea typeface="D2Coding" panose="020B0609020101020101" pitchFamily="49" charset="-127"/>
-              </a:rPr>
-              <a:t>Lygeros</a:t>
-            </a:r>
-            <a:r>
-              <a:rPr lang="en-US" sz="1200" dirty="0">
-                <a:latin typeface="D2Coding" panose="020B0609020101020101" pitchFamily="49" charset="-127"/>
-                <a:ea typeface="D2Coding" panose="020B0609020101020101" pitchFamily="49" charset="-127"/>
-              </a:rPr>
-              <a:t>, and G. Andersson, “Probabilistic Guarantees for the N-1 Security of Systems with Wind </a:t>
-            </a:r>
-            <a:br>
-              <a:rPr lang="en-US" sz="1200" dirty="0">
-                <a:latin typeface="D2Coding" panose="020B0609020101020101" pitchFamily="49" charset="-127"/>
-                <a:ea typeface="D2Coding" panose="020B0609020101020101" pitchFamily="49" charset="-127"/>
-              </a:rPr>
-            </a:br>
-            <a:r>
-              <a:rPr lang="en-US" sz="1200" dirty="0">
-                <a:latin typeface="D2Coding" panose="020B0609020101020101" pitchFamily="49" charset="-127"/>
-                <a:ea typeface="D2Coding" panose="020B0609020101020101" pitchFamily="49" charset="-127"/>
-              </a:rPr>
-              <a:t>    Power Generation,” in </a:t>
-            </a:r>
-            <a:r>
-              <a:rPr lang="en-US" sz="1200" i="1" dirty="0">
-                <a:latin typeface="D2Coding" panose="020B0609020101020101" pitchFamily="49" charset="-127"/>
-                <a:ea typeface="D2Coding" panose="020B0609020101020101" pitchFamily="49" charset="-127"/>
-              </a:rPr>
-              <a:t>Probabilistic Methods Applied to Power Systems (PMAPS)</a:t>
-            </a:r>
-            <a:r>
-              <a:rPr lang="en-US" sz="1200" dirty="0">
-                <a:latin typeface="D2Coding" panose="020B0609020101020101" pitchFamily="49" charset="-127"/>
-                <a:ea typeface="D2Coding" panose="020B0609020101020101" pitchFamily="49" charset="-127"/>
-              </a:rPr>
-              <a:t>, Istanbul, Turkey, 2012. </a:t>
+              <a:t>, L. A. Roald, and S. Backhaus, “Statistical learning for DC optimal power flow,” Jan. 2018. </a:t>
             </a:r>
             <a:endParaRPr lang="en-US" altLang="ko-KR" sz="1200" dirty="0">
               <a:latin typeface="D2Coding" panose="020B0609020101020101" pitchFamily="49" charset="-127"/>
@@ -4028,7 +4080,7 @@
                 <a:latin typeface="D2Coding" panose="020B0609020101020101" pitchFamily="49" charset="-127"/>
                 <a:ea typeface="D2Coding" panose="020B0609020101020101" pitchFamily="49" charset="-127"/>
               </a:rPr>
-              <a:t> L. Roald, S. </a:t>
+              <a:t> S. </a:t>
             </a:r>
             <a:r>
               <a:rPr lang="en-US" sz="1200" dirty="0" err="1">
@@ -4042,87 +4094,82 @@
                 <a:latin typeface="D2Coding" panose="020B0609020101020101" pitchFamily="49" charset="-127"/>
                 <a:ea typeface="D2Coding" panose="020B0609020101020101" pitchFamily="49" charset="-127"/>
               </a:rPr>
-              <a:t>, T. Krause, and G. Andersson, “Corrective control to handle forecast uncertainty: A chance constrained optimal </a:t>
-            </a:r>
-            <a:br>
+              <a:t>, L. Roald, and Y. Ng, “Learning for convex optimization,” </a:t>
+            </a:r>
+            <a:r>
+              <a:rPr lang="en-US" sz="1200" i="1" dirty="0" err="1">
+                <a:latin typeface="D2Coding" panose="020B0609020101020101" pitchFamily="49" charset="-127"/>
+                <a:ea typeface="D2Coding" panose="020B0609020101020101" pitchFamily="49" charset="-127"/>
+              </a:rPr>
+              <a:t>arXiv</a:t>
+            </a:r>
+            <a:r>
+              <a:rPr lang="en-US" sz="1200" i="1" dirty="0">
+                <a:latin typeface="D2Coding" panose="020B0609020101020101" pitchFamily="49" charset="-127"/>
+                <a:ea typeface="D2Coding" panose="020B0609020101020101" pitchFamily="49" charset="-127"/>
+              </a:rPr>
+              <a:t> preprint arXiv:1802.09639</a:t>
+            </a:r>
+            <a:r>
               <a:rPr lang="en-US" sz="1200" dirty="0">
                 <a:latin typeface="D2Coding" panose="020B0609020101020101" pitchFamily="49" charset="-127"/>
                 <a:ea typeface="D2Coding" panose="020B0609020101020101" pitchFamily="49" charset="-127"/>
               </a:rPr>
-            </a:br>
-            <a:r>
-              <a:rPr lang="en-US" sz="1200" dirty="0">
-                <a:latin typeface="D2Coding" panose="020B0609020101020101" pitchFamily="49" charset="-127"/>
-                <a:ea typeface="D2Coding" panose="020B0609020101020101" pitchFamily="49" charset="-127"/>
-              </a:rPr>
-              <a:t>    power flow,” </a:t>
-            </a:r>
-            <a:r>
-              <a:rPr lang="en-US" sz="1200" i="1" dirty="0">
-                <a:latin typeface="D2Coding" panose="020B0609020101020101" pitchFamily="49" charset="-127"/>
-                <a:ea typeface="D2Coding" panose="020B0609020101020101" pitchFamily="49" charset="-127"/>
-              </a:rPr>
-              <a:t>IEEE Trans. Power Systems</a:t>
-            </a:r>
-            <a:r>
-              <a:rPr lang="en-US" sz="1200" dirty="0">
-                <a:latin typeface="D2Coding" panose="020B0609020101020101" pitchFamily="49" charset="-127"/>
-                <a:ea typeface="D2Coding" panose="020B0609020101020101" pitchFamily="49" charset="-127"/>
-              </a:rPr>
-              <a:t>, vol. 32, no. 2, pp. 1626–1637, 2017. </a:t>
-            </a:r>
-            <a:endParaRPr lang="en-US" altLang="ko-KR" sz="1200" dirty="0">
-              <a:latin typeface="D2Coding" panose="020B0609020101020101" pitchFamily="49" charset="-127"/>
-              <a:ea typeface="D2Coding" panose="020B0609020101020101" pitchFamily="49" charset="-127"/>
-              <a:cs typeface="D2Coding" charset="-127"/>
-            </a:endParaRPr>
+              <a:t>, 2018. </a:t>
+            </a:r>
           </a:p>
           <a:p>
             <a:pPr marL="0" indent="0">
               <a:buNone/>
             </a:pPr>
             <a:r>
-              <a:rPr lang="en-US" altLang="ko-KR" sz="1200" dirty="0">
-                <a:latin typeface="D2Coding" panose="020B0609020101020101" pitchFamily="49" charset="-127"/>
-                <a:ea typeface="D2Coding" panose="020B0609020101020101" pitchFamily="49" charset="-127"/>
-                <a:cs typeface="D2Coding" charset="-127"/>
-              </a:rPr>
-              <a:t>[5]</a:t>
-            </a:r>
-            <a:r>
               <a:rPr lang="en-US" sz="1200" dirty="0">
                 <a:latin typeface="D2Coding" panose="020B0609020101020101" pitchFamily="49" charset="-127"/>
                 <a:ea typeface="D2Coding" panose="020B0609020101020101" pitchFamily="49" charset="-127"/>
               </a:rPr>
-              <a:t> L. Roald, S. </a:t>
+              <a:t>[5] S. </a:t>
             </a:r>
             <a:r>
               <a:rPr lang="en-US" sz="1200" dirty="0" err="1">
                 <a:latin typeface="D2Coding" panose="020B0609020101020101" pitchFamily="49" charset="-127"/>
                 <a:ea typeface="D2Coding" panose="020B0609020101020101" pitchFamily="49" charset="-127"/>
               </a:rPr>
-              <a:t>Misra</a:t>
+              <a:t>Ioffe</a:t>
             </a:r>
             <a:r>
               <a:rPr lang="en-US" sz="1200" dirty="0">
                 <a:latin typeface="D2Coding" panose="020B0609020101020101" pitchFamily="49" charset="-127"/>
                 <a:ea typeface="D2Coding" panose="020B0609020101020101" pitchFamily="49" charset="-127"/>
               </a:rPr>
-              <a:t>, M. </a:t>
+              <a:t> and C. </a:t>
             </a:r>
             <a:r>
               <a:rPr lang="en-US" sz="1200" dirty="0" err="1">
                 <a:latin typeface="D2Coding" panose="020B0609020101020101" pitchFamily="49" charset="-127"/>
                 <a:ea typeface="D2Coding" panose="020B0609020101020101" pitchFamily="49" charset="-127"/>
               </a:rPr>
-              <a:t>Chertkov</a:t>
+              <a:t>Szegedy</a:t>
             </a:r>
             <a:r>
               <a:rPr lang="en-US" sz="1200" dirty="0">
                 <a:latin typeface="D2Coding" panose="020B0609020101020101" pitchFamily="49" charset="-127"/>
                 <a:ea typeface="D2Coding" panose="020B0609020101020101" pitchFamily="49" charset="-127"/>
               </a:rPr>
-              <a:t>, and G. Andersson, “Optimal power flow with weighted chance constraints and general policies for </a:t>
+              <a:t>, “Batch normalization: Accelerating deep network training by reducing internal covariate shift,” </a:t>
+            </a:r>
+            <a:r>
+              <a:rPr lang="en-US" sz="1200" dirty="0" err="1">
+                <a:latin typeface="D2Coding" panose="020B0609020101020101" pitchFamily="49" charset="-127"/>
+                <a:ea typeface="D2Coding" panose="020B0609020101020101" pitchFamily="49" charset="-127"/>
+              </a:rPr>
+              <a:t>arXiv</a:t>
+            </a:r>
+            <a:r>
+              <a:rPr lang="en-US" sz="1200" dirty="0">
+                <a:latin typeface="D2Coding" panose="020B0609020101020101" pitchFamily="49" charset="-127"/>
+                <a:ea typeface="D2Coding" panose="020B0609020101020101" pitchFamily="49" charset="-127"/>
+              </a:rPr>
+              <a:t> </a:t>
             </a:r>
             <a:br>
               <a:rPr lang="en-US" sz="1200" dirty="0">
@@ -4135,120 +4182,223 @@
                 <a:latin typeface="D2Coding" panose="020B0609020101020101" pitchFamily="49" charset="-127"/>
                 <a:ea typeface="D2Coding" panose="020B0609020101020101" pitchFamily="49" charset="-127"/>
               </a:rPr>
-              <a:t>    generation control,” in </a:t>
-            </a:r>
-            <a:r>
-              <a:rPr lang="en-US" sz="1200" i="1" dirty="0">
-                <a:latin typeface="D2Coding" panose="020B0609020101020101" pitchFamily="49" charset="-127"/>
-                <a:ea typeface="D2Coding" panose="020B0609020101020101" pitchFamily="49" charset="-127"/>
-              </a:rPr>
-              <a:t>IEEE Conference on Decision and Control (CDC)</a:t>
-            </a:r>
-            <a:r>
-              <a:rPr lang="en-US" sz="1200" dirty="0">
-                <a:latin typeface="D2Coding" panose="020B0609020101020101" pitchFamily="49" charset="-127"/>
-                <a:ea typeface="D2Coding" panose="020B0609020101020101" pitchFamily="49" charset="-127"/>
-              </a:rPr>
-              <a:t>. IEEE, 2015, pp. 6927–6933. </a:t>
-            </a:r>
-            <a:endParaRPr lang="en-US" altLang="ko-KR" sz="1200" dirty="0">
-              <a:latin typeface="D2Coding" panose="020B0609020101020101" pitchFamily="49" charset="-127"/>
-              <a:ea typeface="D2Coding" panose="020B0609020101020101" pitchFamily="49" charset="-127"/>
-              <a:cs typeface="D2Coding" charset="-127"/>
-            </a:endParaRPr>
+              <a:t>    preprint arXiv:1502.03167, 2015.</a:t>
+            </a:r>
           </a:p>
           <a:p>
             <a:pPr marL="0" indent="0">
               <a:buNone/>
             </a:pPr>
             <a:r>
-              <a:rPr lang="en-US" altLang="ko-KR" sz="1200" dirty="0">
-                <a:latin typeface="D2Coding" panose="020B0609020101020101" pitchFamily="49" charset="-127"/>
-                <a:ea typeface="D2Coding" panose="020B0609020101020101" pitchFamily="49" charset="-127"/>
-                <a:cs typeface="D2Coding" charset="-127"/>
-              </a:rPr>
-              <a:t>[6]</a:t>
-            </a:r>
-            <a:r>
               <a:rPr lang="en-US" sz="1200" dirty="0">
                 <a:latin typeface="D2Coding" panose="020B0609020101020101" pitchFamily="49" charset="-127"/>
                 <a:ea typeface="D2Coding" panose="020B0609020101020101" pitchFamily="49" charset="-127"/>
               </a:rPr>
-              <a:t> Y. Ng, S. </a:t>
+              <a:t>[6] N. Srivastava, G. Hinton, A. </a:t>
             </a:r>
             <a:r>
               <a:rPr lang="en-US" sz="1200" dirty="0" err="1">
                 <a:latin typeface="D2Coding" panose="020B0609020101020101" pitchFamily="49" charset="-127"/>
                 <a:ea typeface="D2Coding" panose="020B0609020101020101" pitchFamily="49" charset="-127"/>
               </a:rPr>
-              <a:t>Misra</a:t>
+              <a:t>Krizhevsky</a:t>
             </a:r>
             <a:r>
               <a:rPr lang="en-US" sz="1200" dirty="0">
                 <a:latin typeface="D2Coding" panose="020B0609020101020101" pitchFamily="49" charset="-127"/>
                 <a:ea typeface="D2Coding" panose="020B0609020101020101" pitchFamily="49" charset="-127"/>
               </a:rPr>
-              <a:t>, L. A. Roald, and S. Backhaus, “Statistical learning for DC optimal power flow,” Jan. 2018. </a:t>
-            </a:r>
-            <a:endParaRPr lang="en-US" altLang="ko-KR" sz="1200" dirty="0">
-              <a:latin typeface="D2Coding" panose="020B0609020101020101" pitchFamily="49" charset="-127"/>
-              <a:ea typeface="D2Coding" panose="020B0609020101020101" pitchFamily="49" charset="-127"/>
-              <a:cs typeface="D2Coding" charset="-127"/>
-            </a:endParaRPr>
+              <a:t>, I. </a:t>
+            </a:r>
+            <a:r>
+              <a:rPr lang="en-US" sz="1200" dirty="0" err="1">
+                <a:latin typeface="D2Coding" panose="020B0609020101020101" pitchFamily="49" charset="-127"/>
+                <a:ea typeface="D2Coding" panose="020B0609020101020101" pitchFamily="49" charset="-127"/>
+              </a:rPr>
+              <a:t>Sutskever</a:t>
+            </a:r>
+            <a:r>
+              <a:rPr lang="en-US" sz="1200" dirty="0">
+                <a:latin typeface="D2Coding" panose="020B0609020101020101" pitchFamily="49" charset="-127"/>
+                <a:ea typeface="D2Coding" panose="020B0609020101020101" pitchFamily="49" charset="-127"/>
+              </a:rPr>
+              <a:t>, and R. </a:t>
+            </a:r>
+            <a:r>
+              <a:rPr lang="en-US" sz="1200" dirty="0" err="1">
+                <a:latin typeface="D2Coding" panose="020B0609020101020101" pitchFamily="49" charset="-127"/>
+                <a:ea typeface="D2Coding" panose="020B0609020101020101" pitchFamily="49" charset="-127"/>
+              </a:rPr>
+              <a:t>Salakhut</a:t>
+            </a:r>
+            <a:r>
+              <a:rPr lang="en-US" sz="1200" dirty="0">
+                <a:latin typeface="D2Coding" panose="020B0609020101020101" pitchFamily="49" charset="-127"/>
+                <a:ea typeface="D2Coding" panose="020B0609020101020101" pitchFamily="49" charset="-127"/>
+              </a:rPr>
+              <a:t>- </a:t>
+            </a:r>
+            <a:r>
+              <a:rPr lang="en-US" sz="1200" dirty="0" err="1">
+                <a:latin typeface="D2Coding" panose="020B0609020101020101" pitchFamily="49" charset="-127"/>
+                <a:ea typeface="D2Coding" panose="020B0609020101020101" pitchFamily="49" charset="-127"/>
+              </a:rPr>
+              <a:t>dinov</a:t>
+            </a:r>
+            <a:r>
+              <a:rPr lang="en-US" sz="1200" dirty="0">
+                <a:latin typeface="D2Coding" panose="020B0609020101020101" pitchFamily="49" charset="-127"/>
+                <a:ea typeface="D2Coding" panose="020B0609020101020101" pitchFamily="49" charset="-127"/>
+              </a:rPr>
+              <a:t>, “Dropout: a simple way to prevent neural networks </a:t>
+            </a:r>
+            <a:br>
+              <a:rPr lang="en-US" sz="1200" dirty="0">
+                <a:latin typeface="D2Coding" panose="020B0609020101020101" pitchFamily="49" charset="-127"/>
+                <a:ea typeface="D2Coding" panose="020B0609020101020101" pitchFamily="49" charset="-127"/>
+              </a:rPr>
+            </a:br>
+            <a:r>
+              <a:rPr lang="en-US" sz="1200" dirty="0">
+                <a:latin typeface="D2Coding" panose="020B0609020101020101" pitchFamily="49" charset="-127"/>
+                <a:ea typeface="D2Coding" panose="020B0609020101020101" pitchFamily="49" charset="-127"/>
+              </a:rPr>
+              <a:t>    from over- fitting,” The Journal of Machine Learning Research, vol. 15, no. 1, pp. 1929–1958, 2014.</a:t>
+            </a:r>
           </a:p>
           <a:p>
             <a:pPr marL="0" indent="0">
               <a:buNone/>
             </a:pPr>
             <a:r>
-              <a:rPr lang="en-US" altLang="ko-KR" sz="1200" dirty="0">
-                <a:latin typeface="D2Coding" panose="020B0609020101020101" pitchFamily="49" charset="-127"/>
-                <a:ea typeface="D2Coding" panose="020B0609020101020101" pitchFamily="49" charset="-127"/>
-                <a:cs typeface="D2Coding" charset="-127"/>
-              </a:rPr>
-              <a:t>[7]</a:t>
-            </a:r>
-            <a:r>
               <a:rPr lang="en-US" sz="1200" dirty="0">
                 <a:latin typeface="D2Coding" panose="020B0609020101020101" pitchFamily="49" charset="-127"/>
                 <a:ea typeface="D2Coding" panose="020B0609020101020101" pitchFamily="49" charset="-127"/>
               </a:rPr>
-              <a:t> S. </a:t>
+              <a:t>[7] “Binary </a:t>
             </a:r>
             <a:r>
               <a:rPr lang="en-US" sz="1200" dirty="0" err="1">
                 <a:latin typeface="D2Coding" panose="020B0609020101020101" pitchFamily="49" charset="-127"/>
                 <a:ea typeface="D2Coding" panose="020B0609020101020101" pitchFamily="49" charset="-127"/>
               </a:rPr>
-              <a:t>Misra</a:t>
+              <a:t>crossentropy</a:t>
             </a:r>
             <a:r>
               <a:rPr lang="en-US" sz="1200" dirty="0">
                 <a:latin typeface="D2Coding" panose="020B0609020101020101" pitchFamily="49" charset="-127"/>
                 <a:ea typeface="D2Coding" panose="020B0609020101020101" pitchFamily="49" charset="-127"/>
               </a:rPr>
-              <a:t>, L. Roald, and Y. Ng, “Learning for convex optimization,” </a:t>
-            </a:r>
-            <a:r>
-              <a:rPr lang="en-US" sz="1200" i="1" dirty="0" err="1">
+              <a:t> loss function: </a:t>
+            </a:r>
+            <a:r>
+              <a:rPr lang="en-US" sz="1200" dirty="0" err="1">
+                <a:latin typeface="D2Coding" panose="020B0609020101020101" pitchFamily="49" charset="-127"/>
+                <a:ea typeface="D2Coding" panose="020B0609020101020101" pitchFamily="49" charset="-127"/>
+              </a:rPr>
+              <a:t>Peltarion</a:t>
+            </a:r>
+            <a:r>
+              <a:rPr lang="en-US" sz="1200" dirty="0">
+                <a:latin typeface="D2Coding" panose="020B0609020101020101" pitchFamily="49" charset="-127"/>
+                <a:ea typeface="D2Coding" panose="020B0609020101020101" pitchFamily="49" charset="-127"/>
+              </a:rPr>
+              <a:t> Platform,” </a:t>
+            </a:r>
+            <a:r>
+              <a:rPr lang="en-US" sz="1200" dirty="0" err="1">
+                <a:latin typeface="D2Coding" panose="020B0609020101020101" pitchFamily="49" charset="-127"/>
+                <a:ea typeface="D2Coding" panose="020B0609020101020101" pitchFamily="49" charset="-127"/>
+              </a:rPr>
+              <a:t>Peltarion.com</a:t>
+            </a:r>
+            <a:r>
+              <a:rPr lang="en-US" sz="1200" dirty="0">
+                <a:latin typeface="D2Coding" panose="020B0609020101020101" pitchFamily="49" charset="-127"/>
+                <a:ea typeface="D2Coding" panose="020B0609020101020101" pitchFamily="49" charset="-127"/>
+              </a:rPr>
+              <a:t>. [Online]. </a:t>
+            </a:r>
+            <a:br>
+              <a:rPr lang="en-US" sz="1200" dirty="0">
+                <a:latin typeface="D2Coding" panose="020B0609020101020101" pitchFamily="49" charset="-127"/>
+                <a:ea typeface="D2Coding" panose="020B0609020101020101" pitchFamily="49" charset="-127"/>
+              </a:rPr>
+            </a:br>
+            <a:r>
+              <a:rPr lang="en-US" sz="1200" dirty="0">
+                <a:latin typeface="D2Coding" panose="020B0609020101020101" pitchFamily="49" charset="-127"/>
+                <a:ea typeface="D2Coding" panose="020B0609020101020101" pitchFamily="49" charset="-127"/>
+              </a:rPr>
+              <a:t>    Available: </a:t>
+            </a:r>
+            <a:r>
+              <a:rPr lang="en-US" sz="1200" dirty="0">
+                <a:latin typeface="D2Coding" panose="020B0609020101020101" pitchFamily="49" charset="-127"/>
+                <a:ea typeface="D2Coding" panose="020B0609020101020101" pitchFamily="49" charset="-127"/>
+                <a:hlinkClick r:id="rId2"/>
+              </a:rPr>
+              <a:t>https://peltarion.com/knowledge-center/documentation/modeling-view/build-an-ai-model/loss-functions/binary-crossentropy</a:t>
+            </a:r>
+            <a:r>
+              <a:rPr lang="en-US" sz="1200" dirty="0">
+                <a:latin typeface="D2Coding" panose="020B0609020101020101" pitchFamily="49" charset="-127"/>
+                <a:ea typeface="D2Coding" panose="020B0609020101020101" pitchFamily="49" charset="-127"/>
+              </a:rPr>
+              <a:t>.</a:t>
+            </a:r>
+            <a:br>
+              <a:rPr lang="en-US" sz="1200" dirty="0">
+                <a:latin typeface="D2Coding" panose="020B0609020101020101" pitchFamily="49" charset="-127"/>
+                <a:ea typeface="D2Coding" panose="020B0609020101020101" pitchFamily="49" charset="-127"/>
+              </a:rPr>
+            </a:br>
+            <a:r>
+              <a:rPr lang="en-US" sz="1200" dirty="0">
+                <a:latin typeface="D2Coding" panose="020B0609020101020101" pitchFamily="49" charset="-127"/>
+                <a:ea typeface="D2Coding" panose="020B0609020101020101" pitchFamily="49" charset="-127"/>
+              </a:rPr>
+              <a:t>    [Accessed: 05-May-2020].</a:t>
+            </a:r>
+          </a:p>
+          <a:p>
+            <a:pPr marL="0" indent="0">
+              <a:buNone/>
+            </a:pPr>
+            <a:r>
+              <a:rPr lang="en-US" sz="1200" dirty="0">
+                <a:latin typeface="D2Coding" panose="020B0609020101020101" pitchFamily="49" charset="-127"/>
+                <a:ea typeface="D2Coding" panose="020B0609020101020101" pitchFamily="49" charset="-127"/>
+              </a:rPr>
+              <a:t>[8] D. P. </a:t>
+            </a:r>
+            <a:r>
+              <a:rPr lang="en-US" sz="1200" dirty="0" err="1">
+                <a:latin typeface="D2Coding" panose="020B0609020101020101" pitchFamily="49" charset="-127"/>
+                <a:ea typeface="D2Coding" panose="020B0609020101020101" pitchFamily="49" charset="-127"/>
+              </a:rPr>
+              <a:t>Kingma</a:t>
+            </a:r>
+            <a:r>
+              <a:rPr lang="en-US" sz="1200" dirty="0">
+                <a:latin typeface="D2Coding" panose="020B0609020101020101" pitchFamily="49" charset="-127"/>
+                <a:ea typeface="D2Coding" panose="020B0609020101020101" pitchFamily="49" charset="-127"/>
+              </a:rPr>
+              <a:t> and J. Ba, “Adam: A method for stochastic optimization,” </a:t>
+            </a:r>
+            <a:r>
+              <a:rPr lang="en-US" sz="1200" dirty="0" err="1">
                 <a:latin typeface="D2Coding" panose="020B0609020101020101" pitchFamily="49" charset="-127"/>
                 <a:ea typeface="D2Coding" panose="020B0609020101020101" pitchFamily="49" charset="-127"/>
               </a:rPr>
               <a:t>arXiv</a:t>
             </a:r>
             <a:r>
-              <a:rPr lang="en-US" sz="1200" i="1" dirty="0">
-                <a:latin typeface="D2Coding" panose="020B0609020101020101" pitchFamily="49" charset="-127"/>
-                <a:ea typeface="D2Coding" panose="020B0609020101020101" pitchFamily="49" charset="-127"/>
-              </a:rPr>
-              <a:t> preprint arXiv:1802.09639</a:t>
-            </a:r>
-            <a:r>
               <a:rPr lang="en-US" sz="1200" dirty="0">
                 <a:latin typeface="D2Coding" panose="020B0609020101020101" pitchFamily="49" charset="-127"/>
                 <a:ea typeface="D2Coding" panose="020B0609020101020101" pitchFamily="49" charset="-127"/>
               </a:rPr>
-              <a:t>, 2018. </a:t>
+              <a:t> preprint arXiv:1412.6980, 2014.</a:t>
             </a:r>
           </a:p>
           <a:p>
@@ -4398,7 +4548,7 @@
         </p:spPr>
         <p:txBody>
           <a:bodyPr>
-            <a:normAutofit fontScale="77500" lnSpcReduction="20000"/>
+            <a:normAutofit fontScale="85000" lnSpcReduction="20000"/>
           </a:bodyPr>
           <a:lstStyle/>
           <a:p>
@@ -4414,14 +4564,27 @@
                 <a:ea typeface="D2Coding" charset="-127"/>
                 <a:cs typeface="D2Coding" charset="-127"/>
               </a:rPr>
-              <a:t>This slides are about a project that is based on the content covered in </a:t>
+              <a:t>This project is based on the contents covered in </a:t>
             </a:r>
             <a:r>
               <a:rPr lang="en-US" dirty="0">
                 <a:latin typeface="D2Coding" panose="020B0609020101020101" pitchFamily="49" charset="-127"/>
                 <a:ea typeface="D2Coding" panose="020B0609020101020101" pitchFamily="49" charset="-127"/>
               </a:rPr>
-              <a:t>“Learning for DC-OPF: Classifying active sets using neural nets” </a:t>
+              <a:t>“Learning for </a:t>
+            </a:r>
+            <a:br>
+              <a:rPr lang="en-US" dirty="0">
+                <a:latin typeface="D2Coding" panose="020B0609020101020101" pitchFamily="49" charset="-127"/>
+                <a:ea typeface="D2Coding" panose="020B0609020101020101" pitchFamily="49" charset="-127"/>
+              </a:rPr>
+            </a:br>
+            <a:r>
+              <a:rPr lang="en-US" dirty="0">
+                <a:latin typeface="D2Coding" panose="020B0609020101020101" pitchFamily="49" charset="-127"/>
+                <a:ea typeface="D2Coding" panose="020B0609020101020101" pitchFamily="49" charset="-127"/>
+              </a:rPr>
+              <a:t>DC-OPF: Classifying active sets using neural nets” </a:t>
             </a:r>
             <a:r>
               <a:rPr lang="en-US" altLang="ko-KR" dirty="0">
@@ -5173,6 +5336,41 @@
             </a:r>
           </a:p>
           <a:p>
+            <a:pPr lvl="3"/>
+            <a:r>
+              <a:rPr lang="en-US" altLang="ko-KR" sz="1600" dirty="0" err="1">
+                <a:latin typeface="D2Coding" charset="-127"/>
+                <a:ea typeface="D2Coding" charset="-127"/>
+                <a:cs typeface="D2Coding" charset="-127"/>
+              </a:rPr>
+              <a:t>ω</a:t>
+            </a:r>
+            <a:r>
+              <a:rPr lang="en-US" altLang="ko-KR" sz="1600" dirty="0">
+                <a:latin typeface="D2Coding" charset="-127"/>
+                <a:ea typeface="D2Coding" charset="-127"/>
+                <a:cs typeface="D2Coding" charset="-127"/>
+              </a:rPr>
+              <a:t> ~ Multivariate Normal Distribution (𝜇 = 0, 𝜎 = 0.03*d</a:t>
+            </a:r>
+            <a:r>
+              <a:rPr lang="en-US" altLang="ko-KR" sz="1600" baseline="-25000" dirty="0">
+                <a:latin typeface="D2Coding" charset="-127"/>
+                <a:ea typeface="D2Coding" charset="-127"/>
+                <a:cs typeface="D2Coding" charset="-127"/>
+              </a:rPr>
+              <a:t>i</a:t>
+            </a:r>
+            <a:r>
+              <a:rPr lang="en-US" altLang="ko-KR" sz="1600" dirty="0">
+                <a:latin typeface="D2Coding" charset="-127"/>
+                <a:ea typeface="D2Coding" charset="-127"/>
+                <a:cs typeface="D2Coding" charset="-127"/>
+              </a:rPr>
+              <a:t>)</a:t>
+            </a:r>
+          </a:p>
+          <a:p>
             <a:pPr lvl="2"/>
             <a:r>
               <a:rPr lang="en-US" altLang="ko-KR" sz="1800" dirty="0">
@@ -5294,7 +5492,7 @@
         </p:blipFill>
         <p:spPr>
           <a:xfrm>
-            <a:off x="2224314" y="4236178"/>
+            <a:off x="2224314" y="4140224"/>
             <a:ext cx="7743372" cy="1583894"/>
           </a:xfrm>
           <a:prstGeom prst="rect">
@@ -5761,7 +5959,7 @@
                 <a:ea typeface="D2Coding" charset="-127"/>
                 <a:cs typeface="D2Coding" charset="-127"/>
               </a:rPr>
-              <a:t>Ensemble control policy [6][7]</a:t>
+              <a:t>Ensemble control policy [3][4]</a:t>
             </a:r>
             <a:endParaRPr lang="en-US" altLang="ko-KR" sz="1600" i="1" dirty="0">
               <a:latin typeface="D2Coding" charset="-127"/>
@@ -6313,7 +6511,7 @@
           <p:nvPr>
             <p:extLst>
               <p:ext uri="{D42A27DB-BD31-4B8C-83A1-F6EECF244321}">
-                <p14:modId xmlns:p14="http://schemas.microsoft.com/office/powerpoint/2010/main" val="2131196945"/>
+                <p14:modId xmlns:p14="http://schemas.microsoft.com/office/powerpoint/2010/main" val="581900003"/>
               </p:ext>
             </p:extLst>
           </p:nvPr>
@@ -6442,24 +6640,6 @@
                         </a:rPr>
                         <a:t>Ensemble control policy</a:t>
                       </a:r>
-                      <a:r>
-                        <a:rPr lang="ko-KR" altLang="en-US" b="1" dirty="0">
-                          <a:latin typeface="D2Coding" panose="020B0609020101020101" pitchFamily="49" charset="-127"/>
-                          <a:ea typeface="D2Coding" panose="020B0609020101020101" pitchFamily="49" charset="-127"/>
-                        </a:rPr>
-                        <a:t> </a:t>
-                      </a:r>
-                      <a:r>
-                        <a:rPr lang="en-US" altLang="ko-KR" b="1" dirty="0">
-                          <a:latin typeface="D2Coding" panose="020B0609020101020101" pitchFamily="49" charset="-127"/>
-                          <a:ea typeface="D2Coding" panose="020B0609020101020101" pitchFamily="49" charset="-127"/>
-                        </a:rPr>
-                        <a:t>[6][7]</a:t>
-                      </a:r>
-                      <a:endParaRPr lang="en-US" b="1" dirty="0">
-                        <a:latin typeface="D2Coding" panose="020B0609020101020101" pitchFamily="49" charset="-127"/>
-                        <a:ea typeface="D2Coding" panose="020B0609020101020101" pitchFamily="49" charset="-127"/>
-                      </a:endParaRPr>
                     </a:p>
                   </a:txBody>
                   <a:tcPr anchor="ctr">
@@ -7340,7 +7520,24 @@
                 <a:latin typeface="D2Coding" panose="020B0609020101020101" pitchFamily="49" charset="-127"/>
                 <a:ea typeface="D2Coding" panose="020B0609020101020101" pitchFamily="49" charset="-127"/>
               </a:rPr>
-              <a:t>{active constraints </a:t>
+              <a:t>{</a:t>
+            </a:r>
+            <a:r>
+              <a:rPr lang="en-US" sz="1600" dirty="0">
+                <a:solidFill>
+                  <a:srgbClr val="FF0000"/>
+                </a:solidFill>
+                <a:latin typeface="D2Coding" panose="020B0609020101020101" pitchFamily="49" charset="-127"/>
+                <a:ea typeface="D2Coding" panose="020B0609020101020101" pitchFamily="49" charset="-127"/>
+              </a:rPr>
+              <a:t>active constraints</a:t>
+            </a:r>
+            <a:r>
+              <a:rPr lang="en-US" sz="1600" dirty="0">
+                <a:latin typeface="D2Coding" panose="020B0609020101020101" pitchFamily="49" charset="-127"/>
+                <a:ea typeface="D2Coding" panose="020B0609020101020101" pitchFamily="49" charset="-127"/>
+              </a:rPr>
+              <a:t> </a:t>
             </a:r>
             <a:r>
               <a:rPr lang="en-US" sz="1600" dirty="0">
@@ -7664,7 +7861,24 @@
                 <a:latin typeface="D2Coding" panose="020B0609020101020101" pitchFamily="49" charset="-127"/>
                 <a:ea typeface="D2Coding" panose="020B0609020101020101" pitchFamily="49" charset="-127"/>
               </a:rPr>
-              <a:t>{all active constraints </a:t>
+              <a:t>{</a:t>
+            </a:r>
+            <a:r>
+              <a:rPr lang="en-US" sz="1600" dirty="0">
+                <a:solidFill>
+                  <a:schemeClr val="accent1"/>
+                </a:solidFill>
+                <a:latin typeface="D2Coding" panose="020B0609020101020101" pitchFamily="49" charset="-127"/>
+                <a:ea typeface="D2Coding" panose="020B0609020101020101" pitchFamily="49" charset="-127"/>
+              </a:rPr>
+              <a:t>all active constraints</a:t>
+            </a:r>
+            <a:r>
+              <a:rPr lang="en-US" sz="1600" dirty="0">
+                <a:latin typeface="D2Coding" panose="020B0609020101020101" pitchFamily="49" charset="-127"/>
+                <a:ea typeface="D2Coding" panose="020B0609020101020101" pitchFamily="49" charset="-127"/>
+              </a:rPr>
+              <a:t> </a:t>
             </a:r>
             <a:r>
               <a:rPr lang="en-US" sz="1600" dirty="0">
@@ -7696,7 +7910,7 @@
                 <a:latin typeface="D2Coding" panose="020B0609020101020101" pitchFamily="49" charset="-127"/>
                 <a:ea typeface="D2Coding" panose="020B0609020101020101" pitchFamily="49" charset="-127"/>
               </a:rPr>
-              <a:t>Whether constraint is active.</a:t>
+              <a:t>Decides the constraints are active or not.</a:t>
             </a:r>
           </a:p>
         </p:txBody>
@@ -7731,6 +7945,42 @@
           <a:chExt cx="0" cy="0"/>
         </a:xfrm>
       </p:grpSpPr>
+      <p:pic>
+        <p:nvPicPr>
+          <p:cNvPr id="9" name="Picture 8" descr="A screenshot of a cell phone&#10;&#10;Description automatically generated">
+            <a:extLst>
+              <a:ext uri="{FF2B5EF4-FFF2-40B4-BE49-F238E27FC236}">
+                <a16:creationId xmlns:a16="http://schemas.microsoft.com/office/drawing/2014/main" id="{57F26A1B-7905-0B41-B377-89F6DA362F3B}"/>
+              </a:ext>
+            </a:extLst>
+          </p:cNvPr>
+          <p:cNvPicPr>
+            <a:picLocks noChangeAspect="1"/>
+          </p:cNvPicPr>
+          <p:nvPr/>
+        </p:nvPicPr>
+        <p:blipFill>
+          <a:blip r:embed="rId2">
+            <a:extLst>
+              <a:ext uri="{28A0092B-C50C-407E-A947-70E740481C1C}">
+                <a14:useLocalDpi xmlns:a14="http://schemas.microsoft.com/office/drawing/2010/main" val="0"/>
+              </a:ext>
+            </a:extLst>
+          </a:blip>
+          <a:stretch>
+            <a:fillRect/>
+          </a:stretch>
+        </p:blipFill>
+        <p:spPr>
+          <a:xfrm>
+            <a:off x="6514514" y="2560954"/>
+            <a:ext cx="4839286" cy="3931920"/>
+          </a:xfrm>
+          <a:prstGeom prst="rect">
+            <a:avLst/>
+          </a:prstGeom>
+        </p:spPr>
+      </p:pic>
       <p:sp>
         <p:nvSpPr>
           <p:cNvPr id="2" name="제목 1">
@@ -7798,18 +8048,157 @@
           </a:xfrm>
         </p:spPr>
         <p:txBody>
-          <a:bodyPr/>
+          <a:bodyPr>
+            <a:normAutofit/>
+          </a:bodyPr>
           <a:lstStyle/>
           <a:p>
             <a:r>
-              <a:rPr lang="en-US" altLang="ko-KR" dirty="0">
-                <a:latin typeface="D2Coding" charset="-127"/>
-                <a:ea typeface="D2Coding" charset="-127"/>
-                <a:cs typeface="D2Coding" charset="-127"/>
-              </a:rPr>
-              <a:t>Classification performance</a:t>
-            </a:r>
-            <a:endParaRPr lang="ko-KR" altLang="en-US" dirty="0">
+              <a:rPr lang="en-US" altLang="ko-KR" sz="2000" dirty="0">
+                <a:latin typeface="D2Coding" charset="-127"/>
+                <a:ea typeface="D2Coding" charset="-127"/>
+                <a:cs typeface="D2Coding" charset="-127"/>
+              </a:rPr>
+              <a:t>Classification model</a:t>
+            </a:r>
+          </a:p>
+          <a:p>
+            <a:pPr lvl="1"/>
+            <a:r>
+              <a:rPr lang="en-US" altLang="ko-KR" sz="1600" dirty="0">
+                <a:latin typeface="D2Coding" charset="-127"/>
+                <a:ea typeface="D2Coding" charset="-127"/>
+                <a:cs typeface="D2Coding" charset="-127"/>
+              </a:rPr>
+              <a:t>Architecture</a:t>
+            </a:r>
+          </a:p>
+          <a:p>
+            <a:pPr lvl="2"/>
+            <a:r>
+              <a:rPr lang="en-US" altLang="ko-KR" sz="1400" dirty="0">
+                <a:latin typeface="D2Coding" charset="-127"/>
+                <a:ea typeface="D2Coding" charset="-127"/>
+                <a:cs typeface="D2Coding" charset="-127"/>
+              </a:rPr>
+              <a:t>{Dense layer + Batch normalization[5] + Dropout[6] + ReLUs} x </a:t>
+            </a:r>
+            <a:r>
+              <a:rPr lang="en-US" altLang="ko-KR" sz="1400" dirty="0" err="1">
+                <a:latin typeface="D2Coding" charset="-127"/>
+                <a:ea typeface="D2Coding" charset="-127"/>
+                <a:cs typeface="D2Coding" charset="-127"/>
+              </a:rPr>
+              <a:t>layer_num</a:t>
+            </a:r>
+            <a:endParaRPr lang="en-US" altLang="ko-KR" sz="1400" dirty="0">
+              <a:latin typeface="D2Coding" charset="-127"/>
+              <a:ea typeface="D2Coding" charset="-127"/>
+              <a:cs typeface="D2Coding" charset="-127"/>
+            </a:endParaRPr>
+          </a:p>
+          <a:p>
+            <a:pPr lvl="2"/>
+            <a:r>
+              <a:rPr lang="en-US" altLang="ko-KR" sz="1400" dirty="0">
+                <a:latin typeface="D2Coding" charset="-127"/>
+                <a:ea typeface="D2Coding" charset="-127"/>
+                <a:cs typeface="D2Coding" charset="-127"/>
+              </a:rPr>
+              <a:t>Sigmoid</a:t>
+            </a:r>
+          </a:p>
+          <a:p>
+            <a:pPr lvl="1"/>
+            <a:r>
+              <a:rPr lang="en-US" altLang="ko-KR" sz="1600" dirty="0">
+                <a:latin typeface="D2Coding" charset="-127"/>
+                <a:ea typeface="D2Coding" charset="-127"/>
+                <a:cs typeface="D2Coding" charset="-127"/>
+              </a:rPr>
+              <a:t>Loss function</a:t>
+            </a:r>
+          </a:p>
+          <a:p>
+            <a:pPr lvl="2"/>
+            <a:r>
+              <a:rPr lang="en-US" altLang="ko-KR" sz="1400" dirty="0">
+                <a:latin typeface="D2Coding" charset="-127"/>
+                <a:ea typeface="D2Coding" charset="-127"/>
+                <a:cs typeface="D2Coding" charset="-127"/>
+              </a:rPr>
+              <a:t>BinaryCrossEntropy[7]</a:t>
+            </a:r>
+          </a:p>
+          <a:p>
+            <a:pPr lvl="1"/>
+            <a:r>
+              <a:rPr lang="en-US" altLang="ko-KR" sz="1600" dirty="0">
+                <a:latin typeface="D2Coding" charset="-127"/>
+                <a:ea typeface="D2Coding" charset="-127"/>
+                <a:cs typeface="D2Coding" charset="-127"/>
+              </a:rPr>
+              <a:t>Optimizer</a:t>
+            </a:r>
+          </a:p>
+          <a:p>
+            <a:pPr lvl="2"/>
+            <a:r>
+              <a:rPr lang="en-US" altLang="ko-KR" sz="1400" dirty="0">
+                <a:latin typeface="D2Coding" charset="-127"/>
+                <a:ea typeface="D2Coding" charset="-127"/>
+                <a:cs typeface="D2Coding" charset="-127"/>
+              </a:rPr>
+              <a:t>Adam[8]</a:t>
+            </a:r>
+          </a:p>
+          <a:p>
+            <a:pPr lvl="1"/>
+            <a:r>
+              <a:rPr lang="en-US" altLang="ko-KR" sz="1600" dirty="0">
+                <a:latin typeface="D2Coding" charset="-127"/>
+                <a:ea typeface="D2Coding" charset="-127"/>
+                <a:cs typeface="D2Coding" charset="-127"/>
+              </a:rPr>
+              <a:t>Metrics</a:t>
+            </a:r>
+          </a:p>
+          <a:p>
+            <a:pPr lvl="2"/>
+            <a:r>
+              <a:rPr lang="en-US" altLang="ko-KR" sz="1400" dirty="0">
+                <a:latin typeface="D2Coding" charset="-127"/>
+                <a:ea typeface="D2Coding" charset="-127"/>
+                <a:cs typeface="D2Coding" charset="-127"/>
+              </a:rPr>
+              <a:t>BinaryAccuracy</a:t>
+            </a:r>
+          </a:p>
+          <a:p>
+            <a:pPr lvl="2"/>
+            <a:r>
+              <a:rPr lang="en-US" altLang="ko-KR" sz="1400" dirty="0">
+                <a:latin typeface="D2Coding" charset="-127"/>
+                <a:ea typeface="D2Coding" charset="-127"/>
+                <a:cs typeface="D2Coding" charset="-127"/>
+              </a:rPr>
+              <a:t>BinaryCrossEntropy</a:t>
+            </a:r>
+          </a:p>
+          <a:p>
+            <a:pPr lvl="1"/>
+            <a:r>
+              <a:rPr lang="en-US" altLang="ko-KR" sz="1600" dirty="0">
+                <a:latin typeface="D2Coding" charset="-127"/>
+                <a:ea typeface="D2Coding" charset="-127"/>
+                <a:cs typeface="D2Coding" charset="-127"/>
+              </a:rPr>
+              <a:t>Experiment results</a:t>
+            </a:r>
+          </a:p>
+          <a:p>
+            <a:pPr lvl="1"/>
+            <a:endParaRPr lang="ko-KR" altLang="en-US" sz="2000" dirty="0">
               <a:latin typeface="D2Coding" charset="-127"/>
               <a:ea typeface="D2Coding" charset="-127"/>
               <a:cs typeface="D2Coding" charset="-127"/>
@@ -7854,6 +8243,386 @@
           </a:fontRef>
         </p:style>
       </p:cxnSp>
+      <p:graphicFrame>
+        <p:nvGraphicFramePr>
+          <p:cNvPr id="4" name="Table 3">
+            <a:extLst>
+              <a:ext uri="{FF2B5EF4-FFF2-40B4-BE49-F238E27FC236}">
+                <a16:creationId xmlns:a16="http://schemas.microsoft.com/office/drawing/2014/main" id="{25AE6A27-84A3-4943-BA7A-8943F2CC9741}"/>
+              </a:ext>
+            </a:extLst>
+          </p:cNvPr>
+          <p:cNvGraphicFramePr>
+            <a:graphicFrameLocks noGrp="1"/>
+          </p:cNvGraphicFramePr>
+          <p:nvPr>
+            <p:extLst>
+              <p:ext uri="{D42A27DB-BD31-4B8C-83A1-F6EECF244321}">
+                <p14:modId xmlns:p14="http://schemas.microsoft.com/office/powerpoint/2010/main" val="1577292787"/>
+              </p:ext>
+            </p:extLst>
+          </p:nvPr>
+        </p:nvGraphicFramePr>
+        <p:xfrm>
+          <a:off x="1685545" y="4775129"/>
+          <a:ext cx="4410455" cy="1717745"/>
+        </p:xfrm>
+        <a:graphic>
+          <a:graphicData uri="http://schemas.openxmlformats.org/drawingml/2006/table">
+            <a:tbl>
+              <a:tblPr firstRow="1" bandRow="1">
+                <a:tableStyleId>{5C22544A-7EE6-4342-B048-85BDC9FD1C3A}</a:tableStyleId>
+              </a:tblPr>
+              <a:tblGrid>
+                <a:gridCol w="1015159">
+                  <a:extLst>
+                    <a:ext uri="{9D8B030D-6E8A-4147-A177-3AD203B41FA5}">
+                      <a16:colId xmlns:a16="http://schemas.microsoft.com/office/drawing/2014/main" val="1907556164"/>
+                    </a:ext>
+                  </a:extLst>
+                </a:gridCol>
+                <a:gridCol w="1537870">
+                  <a:extLst>
+                    <a:ext uri="{9D8B030D-6E8A-4147-A177-3AD203B41FA5}">
+                      <a16:colId xmlns:a16="http://schemas.microsoft.com/office/drawing/2014/main" val="1043930737"/>
+                    </a:ext>
+                  </a:extLst>
+                </a:gridCol>
+                <a:gridCol w="1857426">
+                  <a:extLst>
+                    <a:ext uri="{9D8B030D-6E8A-4147-A177-3AD203B41FA5}">
+                      <a16:colId xmlns:a16="http://schemas.microsoft.com/office/drawing/2014/main" val="2970935709"/>
+                    </a:ext>
+                  </a:extLst>
+                </a:gridCol>
+              </a:tblGrid>
+              <a:tr h="343549">
+                <a:tc>
+                  <a:txBody>
+                    <a:bodyPr/>
+                    <a:lstStyle/>
+                    <a:p>
+                      <a:pPr algn="r"/>
+                      <a:endParaRPr lang="en-US" sz="1400" dirty="0">
+                        <a:latin typeface="D2Coding" panose="020B0609020101020101" pitchFamily="49" charset="-127"/>
+                        <a:ea typeface="D2Coding" panose="020B0609020101020101" pitchFamily="49" charset="-127"/>
+                      </a:endParaRPr>
+                    </a:p>
+                  </a:txBody>
+                  <a:tcPr/>
+                </a:tc>
+                <a:tc>
+                  <a:txBody>
+                    <a:bodyPr/>
+                    <a:lstStyle/>
+                    <a:p>
+                      <a:pPr algn="r"/>
+                      <a:r>
+                        <a:rPr lang="en-US" sz="1400" dirty="0">
+                          <a:latin typeface="D2Coding" panose="020B0609020101020101" pitchFamily="49" charset="-127"/>
+                          <a:ea typeface="D2Coding" panose="020B0609020101020101" pitchFamily="49" charset="-127"/>
+                        </a:rPr>
+                        <a:t>BinaryAccuracy</a:t>
+                      </a:r>
+                    </a:p>
+                  </a:txBody>
+                  <a:tcPr/>
+                </a:tc>
+                <a:tc>
+                  <a:txBody>
+                    <a:bodyPr/>
+                    <a:lstStyle/>
+                    <a:p>
+                      <a:pPr algn="r"/>
+                      <a:r>
+                        <a:rPr lang="en-US" sz="1400" dirty="0">
+                          <a:latin typeface="D2Coding" panose="020B0609020101020101" pitchFamily="49" charset="-127"/>
+                          <a:ea typeface="D2Coding" panose="020B0609020101020101" pitchFamily="49" charset="-127"/>
+                        </a:rPr>
+                        <a:t>BinaryCrossEntropy</a:t>
+                      </a:r>
+                    </a:p>
+                  </a:txBody>
+                  <a:tcPr/>
+                </a:tc>
+                <a:extLst>
+                  <a:ext uri="{0D108BD9-81ED-4DB2-BD59-A6C34878D82A}">
+                    <a16:rowId xmlns:a16="http://schemas.microsoft.com/office/drawing/2014/main" val="1478000158"/>
+                  </a:ext>
+                </a:extLst>
+              </a:tr>
+              <a:tr h="343549">
+                <a:tc>
+                  <a:txBody>
+                    <a:bodyPr/>
+                    <a:lstStyle/>
+                    <a:p>
+                      <a:pPr algn="r"/>
+                      <a:r>
+                        <a:rPr lang="en-US" sz="1400" dirty="0">
+                          <a:latin typeface="D2Coding" panose="020B0609020101020101" pitchFamily="49" charset="-127"/>
+                          <a:ea typeface="D2Coding" panose="020B0609020101020101" pitchFamily="49" charset="-127"/>
+                        </a:rPr>
+                        <a:t>24 buses</a:t>
+                      </a:r>
+                    </a:p>
+                  </a:txBody>
+                  <a:tcPr/>
+                </a:tc>
+                <a:tc>
+                  <a:txBody>
+                    <a:bodyPr/>
+                    <a:lstStyle/>
+                    <a:p>
+                      <a:pPr algn="r"/>
+                      <a:r>
+                        <a:rPr lang="en-US" sz="1400" dirty="0">
+                          <a:latin typeface="D2Coding" panose="020B0609020101020101" pitchFamily="49" charset="-127"/>
+                          <a:ea typeface="D2Coding" panose="020B0609020101020101" pitchFamily="49" charset="-127"/>
+                        </a:rPr>
+                        <a:t>0.99</a:t>
+                      </a:r>
+                    </a:p>
+                  </a:txBody>
+                  <a:tcPr/>
+                </a:tc>
+                <a:tc>
+                  <a:txBody>
+                    <a:bodyPr/>
+                    <a:lstStyle/>
+                    <a:p>
+                      <a:pPr algn="r"/>
+                      <a:r>
+                        <a:rPr lang="en-US" sz="1400" dirty="0">
+                          <a:latin typeface="D2Coding" panose="020B0609020101020101" pitchFamily="49" charset="-127"/>
+                          <a:ea typeface="D2Coding" panose="020B0609020101020101" pitchFamily="49" charset="-127"/>
+                        </a:rPr>
+                        <a:t>0.00116</a:t>
+                      </a:r>
+                    </a:p>
+                  </a:txBody>
+                  <a:tcPr/>
+                </a:tc>
+                <a:extLst>
+                  <a:ext uri="{0D108BD9-81ED-4DB2-BD59-A6C34878D82A}">
+                    <a16:rowId xmlns:a16="http://schemas.microsoft.com/office/drawing/2014/main" val="1007604755"/>
+                  </a:ext>
+                </a:extLst>
+              </a:tr>
+              <a:tr h="343549">
+                <a:tc>
+                  <a:txBody>
+                    <a:bodyPr/>
+                    <a:lstStyle/>
+                    <a:p>
+                      <a:pPr algn="r"/>
+                      <a:r>
+                        <a:rPr lang="en-US" sz="1400" dirty="0">
+                          <a:latin typeface="D2Coding" panose="020B0609020101020101" pitchFamily="49" charset="-127"/>
+                          <a:ea typeface="D2Coding" panose="020B0609020101020101" pitchFamily="49" charset="-127"/>
+                        </a:rPr>
+                        <a:t>73 buses</a:t>
+                      </a:r>
+                    </a:p>
+                  </a:txBody>
+                  <a:tcPr/>
+                </a:tc>
+                <a:tc>
+                  <a:txBody>
+                    <a:bodyPr/>
+                    <a:lstStyle/>
+                    <a:p>
+                      <a:pPr algn="r"/>
+                      <a:r>
+                        <a:rPr lang="en-US" sz="1400" dirty="0">
+                          <a:latin typeface="D2Coding" panose="020B0609020101020101" pitchFamily="49" charset="-127"/>
+                          <a:ea typeface="D2Coding" panose="020B0609020101020101" pitchFamily="49" charset="-127"/>
+                        </a:rPr>
+                        <a:t>0.99</a:t>
+                      </a:r>
+                    </a:p>
+                  </a:txBody>
+                  <a:tcPr/>
+                </a:tc>
+                <a:tc>
+                  <a:txBody>
+                    <a:bodyPr/>
+                    <a:lstStyle/>
+                    <a:p>
+                      <a:pPr algn="r"/>
+                      <a:r>
+                        <a:rPr lang="en-US" sz="1400" dirty="0">
+                          <a:latin typeface="D2Coding" panose="020B0609020101020101" pitchFamily="49" charset="-127"/>
+                          <a:ea typeface="D2Coding" panose="020B0609020101020101" pitchFamily="49" charset="-127"/>
+                        </a:rPr>
+                        <a:t>0.00046</a:t>
+                      </a:r>
+                    </a:p>
+                  </a:txBody>
+                  <a:tcPr/>
+                </a:tc>
+                <a:extLst>
+                  <a:ext uri="{0D108BD9-81ED-4DB2-BD59-A6C34878D82A}">
+                    <a16:rowId xmlns:a16="http://schemas.microsoft.com/office/drawing/2014/main" val="944331363"/>
+                  </a:ext>
+                </a:extLst>
+              </a:tr>
+              <a:tr h="343549">
+                <a:tc>
+                  <a:txBody>
+                    <a:bodyPr/>
+                    <a:lstStyle/>
+                    <a:p>
+                      <a:pPr algn="r"/>
+                      <a:r>
+                        <a:rPr lang="en-US" sz="1400" dirty="0">
+                          <a:latin typeface="D2Coding" panose="020B0609020101020101" pitchFamily="49" charset="-127"/>
+                          <a:ea typeface="D2Coding" panose="020B0609020101020101" pitchFamily="49" charset="-127"/>
+                        </a:rPr>
+                        <a:t>162 buses</a:t>
+                      </a:r>
+                    </a:p>
+                  </a:txBody>
+                  <a:tcPr/>
+                </a:tc>
+                <a:tc>
+                  <a:txBody>
+                    <a:bodyPr/>
+                    <a:lstStyle/>
+                    <a:p>
+                      <a:pPr algn="r"/>
+                      <a:r>
+                        <a:rPr lang="en-US" sz="1400" dirty="0">
+                          <a:latin typeface="D2Coding" panose="020B0609020101020101" pitchFamily="49" charset="-127"/>
+                          <a:ea typeface="D2Coding" panose="020B0609020101020101" pitchFamily="49" charset="-127"/>
+                        </a:rPr>
+                        <a:t>0.99</a:t>
+                      </a:r>
+                    </a:p>
+                  </a:txBody>
+                  <a:tcPr/>
+                </a:tc>
+                <a:tc>
+                  <a:txBody>
+                    <a:bodyPr/>
+                    <a:lstStyle/>
+                    <a:p>
+                      <a:pPr algn="r"/>
+                      <a:r>
+                        <a:rPr lang="en-US" sz="1400" dirty="0">
+                          <a:latin typeface="D2Coding" panose="020B0609020101020101" pitchFamily="49" charset="-127"/>
+                          <a:ea typeface="D2Coding" panose="020B0609020101020101" pitchFamily="49" charset="-127"/>
+                        </a:rPr>
+                        <a:t>0.00039</a:t>
+                      </a:r>
+                    </a:p>
+                  </a:txBody>
+                  <a:tcPr/>
+                </a:tc>
+                <a:extLst>
+                  <a:ext uri="{0D108BD9-81ED-4DB2-BD59-A6C34878D82A}">
+                    <a16:rowId xmlns:a16="http://schemas.microsoft.com/office/drawing/2014/main" val="2442039654"/>
+                  </a:ext>
+                </a:extLst>
+              </a:tr>
+              <a:tr h="343549">
+                <a:tc>
+                  <a:txBody>
+                    <a:bodyPr/>
+                    <a:lstStyle/>
+                    <a:p>
+                      <a:pPr algn="r"/>
+                      <a:r>
+                        <a:rPr lang="en-US" sz="1400" dirty="0">
+                          <a:latin typeface="D2Coding" panose="020B0609020101020101" pitchFamily="49" charset="-127"/>
+                          <a:ea typeface="D2Coding" panose="020B0609020101020101" pitchFamily="49" charset="-127"/>
+                        </a:rPr>
+                        <a:t>300 buses</a:t>
+                      </a:r>
+                    </a:p>
+                  </a:txBody>
+                  <a:tcPr/>
+                </a:tc>
+                <a:tc>
+                  <a:txBody>
+                    <a:bodyPr/>
+                    <a:lstStyle/>
+                    <a:p>
+                      <a:pPr algn="r"/>
+                      <a:r>
+                        <a:rPr lang="en-US" sz="1400" dirty="0">
+                          <a:latin typeface="D2Coding" panose="020B0609020101020101" pitchFamily="49" charset="-127"/>
+                          <a:ea typeface="D2Coding" panose="020B0609020101020101" pitchFamily="49" charset="-127"/>
+                        </a:rPr>
+                        <a:t>1.00</a:t>
+                      </a:r>
+                    </a:p>
+                  </a:txBody>
+                  <a:tcPr/>
+                </a:tc>
+                <a:tc>
+                  <a:txBody>
+                    <a:bodyPr/>
+                    <a:lstStyle/>
+                    <a:p>
+                      <a:pPr algn="r"/>
+                      <a:r>
+                        <a:rPr lang="en-US" sz="1400" dirty="0">
+                          <a:latin typeface="D2Coding" panose="020B0609020101020101" pitchFamily="49" charset="-127"/>
+                          <a:ea typeface="D2Coding" panose="020B0609020101020101" pitchFamily="49" charset="-127"/>
+                        </a:rPr>
+                        <a:t>0.00026</a:t>
+                      </a:r>
+                    </a:p>
+                  </a:txBody>
+                  <a:tcPr/>
+                </a:tc>
+                <a:extLst>
+                  <a:ext uri="{0D108BD9-81ED-4DB2-BD59-A6C34878D82A}">
+                    <a16:rowId xmlns:a16="http://schemas.microsoft.com/office/drawing/2014/main" val="855530036"/>
+                  </a:ext>
+                </a:extLst>
+              </a:tr>
+            </a:tbl>
+          </a:graphicData>
+        </a:graphic>
+      </p:graphicFrame>
+      <p:pic>
+        <p:nvPicPr>
+          <p:cNvPr id="7" name="Picture 6" descr="A screenshot of a social media post&#10;&#10;Description automatically generated">
+            <a:extLst>
+              <a:ext uri="{FF2B5EF4-FFF2-40B4-BE49-F238E27FC236}">
+                <a16:creationId xmlns:a16="http://schemas.microsoft.com/office/drawing/2014/main" id="{F6EF03F0-45A3-374D-99D8-D22783F21DA5}"/>
+              </a:ext>
+            </a:extLst>
+          </p:cNvPr>
+          <p:cNvPicPr>
+            <a:picLocks noChangeAspect="1"/>
+          </p:cNvPicPr>
+          <p:nvPr/>
+        </p:nvPicPr>
+        <p:blipFill>
+          <a:blip r:embed="rId3">
+            <a:extLst>
+              <a:ext uri="{28A0092B-C50C-407E-A947-70E740481C1C}">
+                <a14:useLocalDpi xmlns:a14="http://schemas.microsoft.com/office/drawing/2010/main" val="0"/>
+              </a:ext>
+            </a:extLst>
+          </a:blip>
+          <a:stretch>
+            <a:fillRect/>
+          </a:stretch>
+        </p:blipFill>
+        <p:spPr>
+          <a:xfrm>
+            <a:off x="6514514" y="2560954"/>
+            <a:ext cx="5025260" cy="3931920"/>
+          </a:xfrm>
+          <a:prstGeom prst="rect">
+            <a:avLst/>
+          </a:prstGeom>
+        </p:spPr>
+      </p:pic>
     </p:spTree>
     <p:extLst>
       <p:ext uri="{BB962C8B-B14F-4D97-AF65-F5344CB8AC3E}">
@@ -7864,6 +8633,81 @@
   <p:clrMapOvr>
     <a:masterClrMapping/>
   </p:clrMapOvr>
+  <p:timing>
+    <p:tnLst>
+      <p:par>
+        <p:cTn id="1" dur="indefinite" restart="never" nodeType="tmRoot">
+          <p:childTnLst>
+            <p:seq concurrent="1" nextAc="seek">
+              <p:cTn id="2" dur="indefinite" nodeType="mainSeq">
+                <p:childTnLst>
+                  <p:par>
+                    <p:cTn id="3" fill="hold">
+                      <p:stCondLst>
+                        <p:cond delay="indefinite"/>
+                      </p:stCondLst>
+                      <p:childTnLst>
+                        <p:par>
+                          <p:cTn id="4" fill="hold">
+                            <p:stCondLst>
+                              <p:cond delay="0"/>
+                            </p:stCondLst>
+                            <p:childTnLst>
+                              <p:par>
+                                <p:cTn id="5" presetID="1" presetClass="entr" presetSubtype="0" fill="hold" nodeType="clickEffect">
+                                  <p:stCondLst>
+                                    <p:cond delay="0"/>
+                                  </p:stCondLst>
+                                  <p:childTnLst>
+                                    <p:set>
+                                      <p:cBhvr>
+                                        <p:cTn id="6" dur="1" fill="hold">
+                                          <p:stCondLst>
+                                            <p:cond delay="0"/>
+                                          </p:stCondLst>
+                                        </p:cTn>
+                                        <p:tgtEl>
+                                          <p:spTgt spid="7"/>
+                                        </p:tgtEl>
+                                        <p:attrNameLst>
+                                          <p:attrName>style.visibility</p:attrName>
+                                        </p:attrNameLst>
+                                      </p:cBhvr>
+                                      <p:to>
+                                        <p:strVal val="visible"/>
+                                      </p:to>
+                                    </p:set>
+                                  </p:childTnLst>
+                                </p:cTn>
+                              </p:par>
+                            </p:childTnLst>
+                          </p:cTn>
+                        </p:par>
+                      </p:childTnLst>
+                    </p:cTn>
+                  </p:par>
+                </p:childTnLst>
+              </p:cTn>
+              <p:prevCondLst>
+                <p:cond evt="onPrev" delay="0">
+                  <p:tgtEl>
+                    <p:sldTgt/>
+                  </p:tgtEl>
+                </p:cond>
+              </p:prevCondLst>
+              <p:nextCondLst>
+                <p:cond evt="onNext" delay="0">
+                  <p:tgtEl>
+                    <p:sldTgt/>
+                  </p:tgtEl>
+                </p:cond>
+              </p:nextCondLst>
+            </p:seq>
+          </p:childTnLst>
+        </p:cTn>
+      </p:par>
+    </p:tnLst>
+  </p:timing>
 </p:sld>
 </file>
 
